--- a/Microsoft MPI.pptx
+++ b/Microsoft MPI.pptx
@@ -10,7 +10,12 @@
     <p:sldId id="258" r:id="rId4"/>
     <p:sldId id="259" r:id="rId5"/>
     <p:sldId id="260" r:id="rId6"/>
-    <p:sldId id="261" r:id="rId7"/>
+    <p:sldId id="264" r:id="rId7"/>
+    <p:sldId id="262" r:id="rId8"/>
+    <p:sldId id="261" r:id="rId9"/>
+    <p:sldId id="265" r:id="rId10"/>
+    <p:sldId id="266" r:id="rId11"/>
+    <p:sldId id="263" r:id="rId12"/>
   </p:sldIdLst>
   <p:sldSz cx="12192000" cy="6858000"/>
   <p:notesSz cx="6858000" cy="9144000"/>
@@ -301,7 +306,7 @@
             <a:fld id="{B61BEF0D-F0BB-DE4B-95CE-6DB70DBA9567}" type="datetimeFigureOut">
               <a:rPr lang="en-US" dirty="0"/>
               <a:pPr/>
-              <a:t>2/26/2017</a:t>
+              <a:t>2/28/2017</a:t>
             </a:fld>
             <a:endParaRPr lang="en-US" dirty="0"/>
           </a:p>
@@ -636,7 +641,7 @@
             <a:fld id="{B61BEF0D-F0BB-DE4B-95CE-6DB70DBA9567}" type="datetimeFigureOut">
               <a:rPr lang="en-US" dirty="0"/>
               <a:pPr/>
-              <a:t>2/26/2017</a:t>
+              <a:t>2/28/2017</a:t>
             </a:fld>
             <a:endParaRPr lang="en-US" dirty="0"/>
           </a:p>
@@ -1034,7 +1039,7 @@
             <a:fld id="{B61BEF0D-F0BB-DE4B-95CE-6DB70DBA9567}" type="datetimeFigureOut">
               <a:rPr lang="en-US" dirty="0"/>
               <a:pPr/>
-              <a:t>2/26/2017</a:t>
+              <a:t>2/28/2017</a:t>
             </a:fld>
             <a:endParaRPr lang="en-US" dirty="0"/>
           </a:p>
@@ -1367,7 +1372,7 @@
             <a:fld id="{B61BEF0D-F0BB-DE4B-95CE-6DB70DBA9567}" type="datetimeFigureOut">
               <a:rPr lang="en-US" dirty="0"/>
               <a:pPr/>
-              <a:t>2/26/2017</a:t>
+              <a:t>2/28/2017</a:t>
             </a:fld>
             <a:endParaRPr lang="en-US" dirty="0"/>
           </a:p>
@@ -1684,7 +1689,7 @@
             <a:fld id="{B61BEF0D-F0BB-DE4B-95CE-6DB70DBA9567}" type="datetimeFigureOut">
               <a:rPr lang="en-US" dirty="0"/>
               <a:pPr/>
-              <a:t>2/26/2017</a:t>
+              <a:t>2/28/2017</a:t>
             </a:fld>
             <a:endParaRPr lang="en-US" dirty="0"/>
           </a:p>
@@ -2077,7 +2082,7 @@
             <a:fld id="{B61BEF0D-F0BB-DE4B-95CE-6DB70DBA9567}" type="datetimeFigureOut">
               <a:rPr lang="en-US" dirty="0"/>
               <a:pPr/>
-              <a:t>2/26/2017</a:t>
+              <a:t>2/28/2017</a:t>
             </a:fld>
             <a:endParaRPr lang="en-US" dirty="0"/>
           </a:p>
@@ -2331,7 +2336,7 @@
             <a:fld id="{B61BEF0D-F0BB-DE4B-95CE-6DB70DBA9567}" type="datetimeFigureOut">
               <a:rPr lang="en-US" dirty="0"/>
               <a:pPr/>
-              <a:t>2/26/2017</a:t>
+              <a:t>2/28/2017</a:t>
             </a:fld>
             <a:endParaRPr lang="en-US" dirty="0"/>
           </a:p>
@@ -2590,7 +2595,7 @@
             <a:fld id="{B61BEF0D-F0BB-DE4B-95CE-6DB70DBA9567}" type="datetimeFigureOut">
               <a:rPr lang="en-US" dirty="0"/>
               <a:pPr/>
-              <a:t>2/26/2017</a:t>
+              <a:t>2/28/2017</a:t>
             </a:fld>
             <a:endParaRPr lang="en-US" dirty="0"/>
           </a:p>
@@ -2849,7 +2854,7 @@
             <a:fld id="{B61BEF0D-F0BB-DE4B-95CE-6DB70DBA9567}" type="datetimeFigureOut">
               <a:rPr lang="en-US" dirty="0"/>
               <a:pPr/>
-              <a:t>2/26/2017</a:t>
+              <a:t>2/28/2017</a:t>
             </a:fld>
             <a:endParaRPr lang="en-US" dirty="0"/>
           </a:p>
@@ -3175,7 +3180,7 @@
             <a:fld id="{B61BEF0D-F0BB-DE4B-95CE-6DB70DBA9567}" type="datetimeFigureOut">
               <a:rPr lang="en-US" dirty="0"/>
               <a:pPr/>
-              <a:t>2/26/2017</a:t>
+              <a:t>2/28/2017</a:t>
             </a:fld>
             <a:endParaRPr lang="en-US" dirty="0"/>
           </a:p>
@@ -3495,7 +3500,7 @@
             <a:fld id="{B61BEF0D-F0BB-DE4B-95CE-6DB70DBA9567}" type="datetimeFigureOut">
               <a:rPr lang="en-US" dirty="0"/>
               <a:pPr/>
-              <a:t>2/26/2017</a:t>
+              <a:t>2/28/2017</a:t>
             </a:fld>
             <a:endParaRPr lang="en-US" dirty="0"/>
           </a:p>
@@ -3949,7 +3954,7 @@
             <a:fld id="{B61BEF0D-F0BB-DE4B-95CE-6DB70DBA9567}" type="datetimeFigureOut">
               <a:rPr lang="en-US" dirty="0"/>
               <a:pPr/>
-              <a:t>2/26/2017</a:t>
+              <a:t>2/28/2017</a:t>
             </a:fld>
             <a:endParaRPr lang="en-US" dirty="0"/>
           </a:p>
@@ -4151,7 +4156,7 @@
             <a:fld id="{B61BEF0D-F0BB-DE4B-95CE-6DB70DBA9567}" type="datetimeFigureOut">
               <a:rPr lang="en-US" dirty="0"/>
               <a:pPr/>
-              <a:t>2/26/2017</a:t>
+              <a:t>2/28/2017</a:t>
             </a:fld>
             <a:endParaRPr lang="en-US" dirty="0"/>
           </a:p>
@@ -4325,7 +4330,7 @@
             <a:fld id="{B61BEF0D-F0BB-DE4B-95CE-6DB70DBA9567}" type="datetimeFigureOut">
               <a:rPr lang="en-US" dirty="0"/>
               <a:pPr/>
-              <a:t>2/26/2017</a:t>
+              <a:t>2/28/2017</a:t>
             </a:fld>
             <a:endParaRPr lang="en-US" dirty="0"/>
           </a:p>
@@ -4655,7 +4660,7 @@
             <a:fld id="{B61BEF0D-F0BB-DE4B-95CE-6DB70DBA9567}" type="datetimeFigureOut">
               <a:rPr lang="en-US" dirty="0"/>
               <a:pPr/>
-              <a:t>2/26/2017</a:t>
+              <a:t>2/28/2017</a:t>
             </a:fld>
             <a:endParaRPr lang="en-US" dirty="0"/>
           </a:p>
@@ -4997,7 +5002,7 @@
             <a:fld id="{B61BEF0D-F0BB-DE4B-95CE-6DB70DBA9567}" type="datetimeFigureOut">
               <a:rPr lang="en-US" dirty="0"/>
               <a:pPr/>
-              <a:t>2/26/2017</a:t>
+              <a:t>2/28/2017</a:t>
             </a:fld>
             <a:endParaRPr lang="en-US" dirty="0"/>
           </a:p>
@@ -7111,7 +7116,7 @@
             <a:fld id="{B61BEF0D-F0BB-DE4B-95CE-6DB70DBA9567}" type="datetimeFigureOut">
               <a:rPr lang="en-US" dirty="0"/>
               <a:pPr/>
-              <a:t>2/26/2017</a:t>
+              <a:t>2/28/2017</a:t>
             </a:fld>
             <a:endParaRPr lang="en-US" dirty="0"/>
           </a:p>
@@ -7677,12 +7682,472 @@
           </a:p>
         </p:txBody>
       </p:sp>
+      <p:sp>
+        <p:nvSpPr>
+          <p:cNvPr id="4" name="Subtitle 2"/>
+          <p:cNvSpPr txBox="1">
+            <a:spLocks/>
+          </p:cNvSpPr>
+          <p:nvPr/>
+        </p:nvSpPr>
+        <p:spPr>
+          <a:xfrm>
+            <a:off x="2708661" y="6137189"/>
+            <a:ext cx="9483339" cy="720811"/>
+          </a:xfrm>
+          <a:prstGeom prst="rect">
+            <a:avLst/>
+          </a:prstGeom>
+        </p:spPr>
+        <p:txBody>
+          <a:bodyPr vert="horz" lIns="91440" tIns="45720" rIns="91440" bIns="45720" rtlCol="0" anchor="t">
+            <a:normAutofit/>
+          </a:bodyPr>
+          <a:lstStyle/>
+          <a:p>
+            <a:pPr marL="0" marR="0" lvl="0" indent="0" algn="l" defTabSz="457200" rtl="0" eaLnBrk="1" fontAlgn="auto" latinLnBrk="0" hangingPunct="1">
+              <a:lnSpc>
+                <a:spcPct val="100000"/>
+              </a:lnSpc>
+              <a:spcBef>
+                <a:spcPts val="1000"/>
+              </a:spcBef>
+              <a:spcAft>
+                <a:spcPts val="0"/>
+              </a:spcAft>
+              <a:buClr>
+                <a:schemeClr val="accent1"/>
+              </a:buClr>
+              <a:buSzTx/>
+              <a:buFont typeface="Wingdings 3" charset="2"/>
+              <a:buNone/>
+              <a:tabLst/>
+              <a:defRPr/>
+            </a:pPr>
+            <a:r>
+              <a:rPr kumimoji="0" lang="en-US" sz="1200" b="0" i="0" u="none" strike="noStrike" kern="1200" cap="none" spc="0" normalizeH="0" baseline="0" noProof="0" dirty="0" err="1" smtClean="0">
+                <a:ln>
+                  <a:noFill/>
+                </a:ln>
+                <a:solidFill>
+                  <a:schemeClr val="tx1">
+                    <a:lumMod val="65000"/>
+                    <a:lumOff val="35000"/>
+                  </a:schemeClr>
+                </a:solidFill>
+                <a:effectLst/>
+                <a:uLnTx/>
+                <a:uFillTx/>
+                <a:latin typeface="+mn-lt"/>
+                <a:ea typeface="+mn-ea"/>
+                <a:cs typeface="+mn-cs"/>
+              </a:rPr>
+              <a:t>Alecsandru</a:t>
+            </a:r>
+            <a:r>
+              <a:rPr kumimoji="0" lang="en-US" sz="1200" b="0" i="0" u="none" strike="noStrike" kern="1200" cap="none" spc="0" normalizeH="0" baseline="0" noProof="0" dirty="0" smtClean="0">
+                <a:ln>
+                  <a:noFill/>
+                </a:ln>
+                <a:solidFill>
+                  <a:schemeClr val="tx1">
+                    <a:lumMod val="65000"/>
+                    <a:lumOff val="35000"/>
+                  </a:schemeClr>
+                </a:solidFill>
+                <a:effectLst/>
+                <a:uLnTx/>
+                <a:uFillTx/>
+                <a:latin typeface="+mn-lt"/>
+                <a:ea typeface="+mn-ea"/>
+                <a:cs typeface="+mn-cs"/>
+              </a:rPr>
+              <a:t> </a:t>
+            </a:r>
+            <a:r>
+              <a:rPr kumimoji="0" lang="en-US" sz="1200" b="0" i="0" u="none" strike="noStrike" kern="1200" cap="none" spc="0" normalizeH="0" baseline="0" noProof="0" dirty="0" err="1" smtClean="0">
+                <a:ln>
+                  <a:noFill/>
+                </a:ln>
+                <a:solidFill>
+                  <a:schemeClr val="tx1">
+                    <a:lumMod val="65000"/>
+                    <a:lumOff val="35000"/>
+                  </a:schemeClr>
+                </a:solidFill>
+                <a:effectLst/>
+                <a:uLnTx/>
+                <a:uFillTx/>
+                <a:latin typeface="+mn-lt"/>
+                <a:ea typeface="+mn-ea"/>
+                <a:cs typeface="+mn-cs"/>
+              </a:rPr>
+              <a:t>Neculai</a:t>
+            </a:r>
+            <a:r>
+              <a:rPr kumimoji="0" lang="en-US" sz="1200" b="0" i="0" u="none" strike="noStrike" kern="1200" cap="none" spc="0" normalizeH="0" baseline="0" noProof="0" dirty="0" smtClean="0">
+                <a:ln>
+                  <a:noFill/>
+                </a:ln>
+                <a:solidFill>
+                  <a:schemeClr val="tx1">
+                    <a:lumMod val="65000"/>
+                    <a:lumOff val="35000"/>
+                  </a:schemeClr>
+                </a:solidFill>
+                <a:effectLst/>
+                <a:uLnTx/>
+                <a:uFillTx/>
+                <a:latin typeface="+mn-lt"/>
+                <a:ea typeface="+mn-ea"/>
+                <a:cs typeface="+mn-cs"/>
+              </a:rPr>
+              <a:t>, Adrian </a:t>
+            </a:r>
+            <a:r>
+              <a:rPr kumimoji="0" lang="en-US" sz="1200" b="0" i="0" u="none" strike="noStrike" kern="1200" cap="none" spc="0" normalizeH="0" baseline="0" noProof="0" dirty="0" err="1" smtClean="0">
+                <a:ln>
+                  <a:noFill/>
+                </a:ln>
+                <a:solidFill>
+                  <a:schemeClr val="tx1">
+                    <a:lumMod val="65000"/>
+                    <a:lumOff val="35000"/>
+                  </a:schemeClr>
+                </a:solidFill>
+                <a:effectLst/>
+                <a:uLnTx/>
+                <a:uFillTx/>
+                <a:latin typeface="+mn-lt"/>
+                <a:ea typeface="+mn-ea"/>
+                <a:cs typeface="+mn-cs"/>
+              </a:rPr>
+              <a:t>Popovici</a:t>
+            </a:r>
+            <a:r>
+              <a:rPr kumimoji="0" lang="en-US" sz="1200" b="0" i="0" u="none" strike="noStrike" kern="1200" cap="none" spc="0" normalizeH="0" baseline="0" noProof="0" dirty="0" smtClean="0">
+                <a:ln>
+                  <a:noFill/>
+                </a:ln>
+                <a:solidFill>
+                  <a:schemeClr val="tx1">
+                    <a:lumMod val="65000"/>
+                    <a:lumOff val="35000"/>
+                  </a:schemeClr>
+                </a:solidFill>
+                <a:effectLst/>
+                <a:uLnTx/>
+                <a:uFillTx/>
+                <a:latin typeface="+mn-lt"/>
+                <a:ea typeface="+mn-ea"/>
+                <a:cs typeface="+mn-cs"/>
+              </a:rPr>
+              <a:t>.</a:t>
+            </a:r>
+          </a:p>
+          <a:p>
+            <a:pPr marL="0" marR="0" lvl="0" indent="0" algn="l" defTabSz="457200" rtl="0" eaLnBrk="1" fontAlgn="auto" latinLnBrk="0" hangingPunct="1">
+              <a:lnSpc>
+                <a:spcPct val="100000"/>
+              </a:lnSpc>
+              <a:spcBef>
+                <a:spcPts val="1000"/>
+              </a:spcBef>
+              <a:spcAft>
+                <a:spcPts val="0"/>
+              </a:spcAft>
+              <a:buClr>
+                <a:schemeClr val="accent1"/>
+              </a:buClr>
+              <a:buSzTx/>
+              <a:buFont typeface="Wingdings 3" charset="2"/>
+              <a:buNone/>
+              <a:tabLst/>
+              <a:defRPr/>
+            </a:pPr>
+            <a:r>
+              <a:rPr lang="en-US" sz="1200" dirty="0" smtClean="0">
+                <a:solidFill>
+                  <a:schemeClr val="tx1">
+                    <a:lumMod val="65000"/>
+                    <a:lumOff val="35000"/>
+                  </a:schemeClr>
+                </a:solidFill>
+              </a:rPr>
+              <a:t>FII, Master, 2017</a:t>
+            </a:r>
+            <a:endParaRPr kumimoji="0" lang="ro-RO" sz="1200" b="0" i="0" u="none" strike="noStrike" kern="1200" cap="none" spc="0" normalizeH="0" baseline="0" noProof="0" dirty="0">
+              <a:ln>
+                <a:noFill/>
+              </a:ln>
+              <a:solidFill>
+                <a:schemeClr val="tx1">
+                  <a:lumMod val="65000"/>
+                  <a:lumOff val="35000"/>
+                </a:schemeClr>
+              </a:solidFill>
+              <a:effectLst/>
+              <a:uLnTx/>
+              <a:uFillTx/>
+              <a:latin typeface="+mn-lt"/>
+              <a:ea typeface="+mn-ea"/>
+              <a:cs typeface="+mn-cs"/>
+            </a:endParaRPr>
+          </a:p>
+        </p:txBody>
+      </p:sp>
     </p:spTree>
     <p:extLst>
       <p:ext uri="{BB962C8B-B14F-4D97-AF65-F5344CB8AC3E}">
-        <p14:creationId xmlns:p14="http://schemas.microsoft.com/office/powerpoint/2010/main" val="2903978516"/>
+        <p14:creationId xmlns="" xmlns:p14="http://schemas.microsoft.com/office/powerpoint/2010/main" val="2903978516"/>
       </p:ext>
     </p:extLst>
+  </p:cSld>
+  <p:clrMapOvr>
+    <a:masterClrMapping/>
+  </p:clrMapOvr>
+  <p:timing>
+    <p:tnLst>
+      <p:par>
+        <p:cTn id="1" dur="indefinite" restart="never" nodeType="tmRoot"/>
+      </p:par>
+    </p:tnLst>
+  </p:timing>
+</p:sld>
+</file>
+
+<file path=ppt/slides/slide10.xml><?xml version="1.0" encoding="utf-8"?>
+<p:sld xmlns:a="http://schemas.openxmlformats.org/drawingml/2006/main" xmlns:r="http://schemas.openxmlformats.org/officeDocument/2006/relationships" xmlns:p="http://schemas.openxmlformats.org/presentationml/2006/main">
+  <p:cSld>
+    <p:spTree>
+      <p:nvGrpSpPr>
+        <p:cNvPr id="1" name=""/>
+        <p:cNvGrpSpPr/>
+        <p:nvPr/>
+      </p:nvGrpSpPr>
+      <p:grpSpPr>
+        <a:xfrm>
+          <a:off x="0" y="0"/>
+          <a:ext cx="0" cy="0"/>
+          <a:chOff x="0" y="0"/>
+          <a:chExt cx="0" cy="0"/>
+        </a:xfrm>
+      </p:grpSpPr>
+      <p:sp>
+        <p:nvSpPr>
+          <p:cNvPr id="2" name="Title 1"/>
+          <p:cNvSpPr>
+            <a:spLocks noGrp="1"/>
+          </p:cNvSpPr>
+          <p:nvPr>
+            <p:ph type="title"/>
+          </p:nvPr>
+        </p:nvSpPr>
+        <p:spPr/>
+        <p:txBody>
+          <a:bodyPr/>
+          <a:lstStyle/>
+          <a:p>
+            <a:r>
+              <a:rPr lang="en-US" dirty="0" smtClean="0"/>
+              <a:t>Conclusions</a:t>
+            </a:r>
+            <a:endParaRPr lang="en-US" dirty="0"/>
+          </a:p>
+        </p:txBody>
+      </p:sp>
+      <p:sp>
+        <p:nvSpPr>
+          <p:cNvPr id="3" name="Content Placeholder 2"/>
+          <p:cNvSpPr>
+            <a:spLocks noGrp="1"/>
+          </p:cNvSpPr>
+          <p:nvPr>
+            <p:ph idx="1"/>
+          </p:nvPr>
+        </p:nvSpPr>
+        <p:spPr/>
+        <p:txBody>
+          <a:bodyPr/>
+          <a:lstStyle/>
+          <a:p>
+            <a:r>
+              <a:rPr lang="en-US" dirty="0" smtClean="0"/>
+              <a:t>The Good</a:t>
+            </a:r>
+          </a:p>
+          <a:p>
+            <a:pPr lvl="1"/>
+            <a:r>
+              <a:rPr lang="en-US" dirty="0" smtClean="0"/>
+              <a:t>MPI makes use of the </a:t>
+            </a:r>
+            <a:r>
+              <a:rPr lang="en-US" dirty="0" err="1" smtClean="0"/>
+              <a:t>multicore</a:t>
+            </a:r>
+            <a:r>
+              <a:rPr lang="en-US" dirty="0" smtClean="0"/>
+              <a:t> processor / multiple nodes in a network.</a:t>
+            </a:r>
+          </a:p>
+          <a:p>
+            <a:pPr lvl="1"/>
+            <a:r>
+              <a:rPr lang="en-US" dirty="0" smtClean="0"/>
+              <a:t>MPI uses a rather simple approach with clear definitions.</a:t>
+            </a:r>
+          </a:p>
+          <a:p>
+            <a:pPr lvl="1"/>
+            <a:r>
+              <a:rPr lang="en-US" dirty="0" smtClean="0"/>
+              <a:t>MPI is available across multiple platforms:</a:t>
+            </a:r>
+          </a:p>
+          <a:p>
+            <a:pPr lvl="2"/>
+            <a:r>
+              <a:rPr lang="en-US" dirty="0" smtClean="0"/>
+              <a:t>We tested it in C++ and C# (and both work well)</a:t>
+            </a:r>
+          </a:p>
+          <a:p>
+            <a:r>
+              <a:rPr lang="en-US" dirty="0" smtClean="0"/>
+              <a:t>The Bad</a:t>
+            </a:r>
+          </a:p>
+          <a:p>
+            <a:pPr lvl="1"/>
+            <a:r>
+              <a:rPr lang="en-US" dirty="0" smtClean="0"/>
+              <a:t>An otherwise simple program can have a complex implementation.</a:t>
+            </a:r>
+          </a:p>
+          <a:p>
+            <a:pPr lvl="1"/>
+            <a:r>
+              <a:rPr lang="en-US" dirty="0" smtClean="0"/>
+              <a:t>Can generate deadlocks which may be hard to find.</a:t>
+            </a:r>
+            <a:endParaRPr lang="en-US" dirty="0"/>
+          </a:p>
+        </p:txBody>
+      </p:sp>
+    </p:spTree>
+  </p:cSld>
+  <p:clrMapOvr>
+    <a:masterClrMapping/>
+  </p:clrMapOvr>
+</p:sld>
+</file>
+
+<file path=ppt/slides/slide11.xml><?xml version="1.0" encoding="utf-8"?>
+<p:sld xmlns:a="http://schemas.openxmlformats.org/drawingml/2006/main" xmlns:r="http://schemas.openxmlformats.org/officeDocument/2006/relationships" xmlns:p="http://schemas.openxmlformats.org/presentationml/2006/main">
+  <p:cSld>
+    <p:spTree>
+      <p:nvGrpSpPr>
+        <p:cNvPr id="1" name=""/>
+        <p:cNvGrpSpPr/>
+        <p:nvPr/>
+      </p:nvGrpSpPr>
+      <p:grpSpPr>
+        <a:xfrm>
+          <a:off x="0" y="0"/>
+          <a:ext cx="0" cy="0"/>
+          <a:chOff x="0" y="0"/>
+          <a:chExt cx="0" cy="0"/>
+        </a:xfrm>
+      </p:grpSpPr>
+      <p:sp>
+        <p:nvSpPr>
+          <p:cNvPr id="2" name="Title 1"/>
+          <p:cNvSpPr>
+            <a:spLocks noGrp="1"/>
+          </p:cNvSpPr>
+          <p:nvPr>
+            <p:ph type="title"/>
+          </p:nvPr>
+        </p:nvSpPr>
+        <p:spPr/>
+        <p:txBody>
+          <a:bodyPr/>
+          <a:lstStyle/>
+          <a:p>
+            <a:r>
+              <a:rPr lang="en-US" dirty="0" smtClean="0"/>
+              <a:t>References</a:t>
+            </a:r>
+            <a:endParaRPr lang="en-US" dirty="0"/>
+          </a:p>
+        </p:txBody>
+      </p:sp>
+      <p:sp>
+        <p:nvSpPr>
+          <p:cNvPr id="3" name="Content Placeholder 2"/>
+          <p:cNvSpPr>
+            <a:spLocks noGrp="1"/>
+          </p:cNvSpPr>
+          <p:nvPr>
+            <p:ph idx="1"/>
+          </p:nvPr>
+        </p:nvSpPr>
+        <p:spPr/>
+        <p:txBody>
+          <a:bodyPr/>
+          <a:lstStyle/>
+          <a:p>
+            <a:r>
+              <a:rPr lang="en-US" dirty="0" smtClean="0">
+                <a:hlinkClick r:id="rId2"/>
+              </a:rPr>
+              <a:t>http://www.mcs.anl.gov/~balaji/permalinks/argonne14_mpi.php</a:t>
+            </a:r>
+            <a:endParaRPr lang="en-US" dirty="0" smtClean="0"/>
+          </a:p>
+          <a:p>
+            <a:r>
+              <a:rPr lang="en-US" dirty="0" smtClean="0">
+                <a:hlinkClick r:id="rId3"/>
+              </a:rPr>
+              <a:t>https://technet.microsoft.com/en-us/library/cc720120(v=ws.10).</a:t>
+            </a:r>
+            <a:r>
+              <a:rPr lang="en-US" dirty="0" smtClean="0">
+                <a:hlinkClick r:id="rId3"/>
+              </a:rPr>
+              <a:t>aspx</a:t>
+            </a:r>
+            <a:endParaRPr lang="en-US" dirty="0" smtClean="0"/>
+          </a:p>
+          <a:p>
+            <a:r>
+              <a:rPr lang="en-US" dirty="0" smtClean="0">
+                <a:hlinkClick r:id="rId4"/>
+              </a:rPr>
+              <a:t>http://www.crest.iu.edu/research/mpi.net</a:t>
+            </a:r>
+            <a:r>
+              <a:rPr lang="en-US" dirty="0" smtClean="0">
+                <a:hlinkClick r:id="rId4"/>
+              </a:rPr>
+              <a:t>/</a:t>
+            </a:r>
+            <a:endParaRPr lang="en-US" dirty="0" smtClean="0"/>
+          </a:p>
+          <a:p>
+            <a:endParaRPr lang="en-US" dirty="0" smtClean="0"/>
+          </a:p>
+          <a:p>
+            <a:endParaRPr lang="en-US" dirty="0" smtClean="0"/>
+          </a:p>
+          <a:p>
+            <a:endParaRPr lang="en-US" dirty="0"/>
+          </a:p>
+        </p:txBody>
+      </p:sp>
+    </p:spTree>
   </p:cSld>
   <p:clrMapOvr>
     <a:masterClrMapping/>
@@ -7794,13 +8259,20 @@
     </p:spTree>
     <p:extLst>
       <p:ext uri="{BB962C8B-B14F-4D97-AF65-F5344CB8AC3E}">
-        <p14:creationId xmlns:p14="http://schemas.microsoft.com/office/powerpoint/2010/main" val="1387494935"/>
+        <p14:creationId xmlns="" xmlns:p14="http://schemas.microsoft.com/office/powerpoint/2010/main" val="1387494935"/>
       </p:ext>
     </p:extLst>
   </p:cSld>
   <p:clrMapOvr>
     <a:masterClrMapping/>
   </p:clrMapOvr>
+  <p:timing>
+    <p:tnLst>
+      <p:par>
+        <p:cTn id="1" dur="indefinite" restart="never" nodeType="tmRoot"/>
+      </p:par>
+    </p:tnLst>
+  </p:timing>
 </p:sld>
 </file>
 
@@ -7896,7 +8368,7 @@
     </p:spTree>
     <p:extLst>
       <p:ext uri="{BB962C8B-B14F-4D97-AF65-F5344CB8AC3E}">
-        <p14:creationId xmlns:p14="http://schemas.microsoft.com/office/powerpoint/2010/main" val="648197338"/>
+        <p14:creationId xmlns="" xmlns:p14="http://schemas.microsoft.com/office/powerpoint/2010/main" val="648197338"/>
       </p:ext>
     </p:extLst>
   </p:cSld>
@@ -7963,22 +8435,15 @@
           <a:p>
             <a:r>
               <a:rPr lang="en-US" dirty="0"/>
-              <a:t>Initially we thought they were some useless old API (sorry </a:t>
-            </a:r>
-            <a:r>
-              <a:rPr lang="en-US" dirty="0" err="1"/>
-              <a:t>Ms</a:t>
-            </a:r>
-            <a:r>
-              <a:rPr lang="en-US" dirty="0"/>
-              <a:t> Teacher </a:t>
-            </a:r>
-            <a:r>
-              <a:rPr lang="en-US" dirty="0">
-                <a:sym typeface="Wingdings" panose="05000000000000000000" pitchFamily="2" charset="2"/>
-              </a:rPr>
-              <a:t>)</a:t>
-            </a:r>
+              <a:t>Initially we thought they were some useless old </a:t>
+            </a:r>
+            <a:r>
+              <a:rPr lang="en-US" dirty="0" smtClean="0"/>
+              <a:t>API</a:t>
+            </a:r>
+            <a:endParaRPr lang="en-US" dirty="0">
+              <a:sym typeface="Wingdings" panose="05000000000000000000" pitchFamily="2" charset="2"/>
+            </a:endParaRPr>
           </a:p>
           <a:p>
             <a:endParaRPr lang="en-US" dirty="0">
@@ -8012,7 +8477,7 @@
     </p:spTree>
     <p:extLst>
       <p:ext uri="{BB962C8B-B14F-4D97-AF65-F5344CB8AC3E}">
-        <p14:creationId xmlns:p14="http://schemas.microsoft.com/office/powerpoint/2010/main" val="2995637738"/>
+        <p14:creationId xmlns="" xmlns:p14="http://schemas.microsoft.com/office/powerpoint/2010/main" val="2995637738"/>
       </p:ext>
     </p:extLst>
   </p:cSld>
@@ -8121,7 +8586,7 @@
     </p:spTree>
     <p:extLst>
       <p:ext uri="{BB962C8B-B14F-4D97-AF65-F5344CB8AC3E}">
-        <p14:creationId xmlns:p14="http://schemas.microsoft.com/office/powerpoint/2010/main" val="1192150832"/>
+        <p14:creationId xmlns="" xmlns:p14="http://schemas.microsoft.com/office/powerpoint/2010/main" val="1192150832"/>
       </p:ext>
     </p:extLst>
   </p:cSld>
@@ -8163,7 +8628,11 @@
           <a:bodyPr/>
           <a:lstStyle/>
           <a:p>
-            <a:endParaRPr lang="ro-RO"/>
+            <a:r>
+              <a:rPr lang="en-US" dirty="0" smtClean="0"/>
+              <a:t>Process Identification</a:t>
+            </a:r>
+            <a:endParaRPr lang="en-US" dirty="0"/>
           </a:p>
         </p:txBody>
       </p:sp>
@@ -8182,16 +8651,733 @@
           <a:bodyPr/>
           <a:lstStyle/>
           <a:p>
-            <a:endParaRPr lang="ro-RO"/>
-          </a:p>
-        </p:txBody>
-      </p:sp>
+            <a:r>
+              <a:rPr lang="en-US" dirty="0" smtClean="0"/>
+              <a:t>MPI Processes can be collected into </a:t>
+            </a:r>
+            <a:r>
+              <a:rPr lang="en-US" b="1" dirty="0" smtClean="0"/>
+              <a:t>Groups</a:t>
+            </a:r>
+            <a:r>
+              <a:rPr lang="en-US" dirty="0" smtClean="0"/>
+              <a:t>.</a:t>
+            </a:r>
+          </a:p>
+          <a:p>
+            <a:pPr lvl="1"/>
+            <a:r>
+              <a:rPr lang="en-US" dirty="0" smtClean="0"/>
+              <a:t>A </a:t>
+            </a:r>
+            <a:r>
+              <a:rPr lang="en-US" b="1" dirty="0" smtClean="0"/>
+              <a:t>group</a:t>
+            </a:r>
+            <a:r>
+              <a:rPr lang="en-US" dirty="0" smtClean="0"/>
+              <a:t> can have multiple colors,</a:t>
+            </a:r>
+          </a:p>
+          <a:p>
+            <a:pPr lvl="1"/>
+            <a:r>
+              <a:rPr lang="en-US" b="1" dirty="0" smtClean="0"/>
+              <a:t>Group</a:t>
+            </a:r>
+            <a:r>
+              <a:rPr lang="en-US" dirty="0" smtClean="0"/>
+              <a:t> + </a:t>
+            </a:r>
+            <a:r>
+              <a:rPr lang="en-US" b="1" dirty="0" smtClean="0"/>
+              <a:t>color</a:t>
+            </a:r>
+            <a:r>
+              <a:rPr lang="en-US" dirty="0" smtClean="0"/>
+              <a:t> = </a:t>
+            </a:r>
+            <a:r>
+              <a:rPr lang="en-US" b="1" dirty="0" smtClean="0"/>
+              <a:t>communicator</a:t>
+            </a:r>
+            <a:r>
+              <a:rPr lang="en-US" dirty="0" smtClean="0"/>
+              <a:t> (name for the group)</a:t>
+            </a:r>
+          </a:p>
+          <a:p>
+            <a:r>
+              <a:rPr lang="en-US" dirty="0" smtClean="0"/>
+              <a:t>A Process is identifier inside a group by it’s </a:t>
+            </a:r>
+            <a:r>
+              <a:rPr lang="en-US" b="1" dirty="0" smtClean="0"/>
+              <a:t>Rank</a:t>
+            </a:r>
+          </a:p>
+          <a:p>
+            <a:endParaRPr lang="en-US" b="1" dirty="0" smtClean="0"/>
+          </a:p>
+          <a:p>
+            <a:pPr>
+              <a:buNone/>
+            </a:pPr>
+            <a:r>
+              <a:rPr lang="en-US" dirty="0" smtClean="0"/>
+              <a:t>	There are a lot of possibilities to synchronize processed by using this functionality.</a:t>
+            </a:r>
+          </a:p>
+          <a:p>
+            <a:pPr>
+              <a:buNone/>
+            </a:pPr>
+            <a:endParaRPr lang="en-US" dirty="0" smtClean="0"/>
+          </a:p>
+          <a:p>
+            <a:pPr>
+              <a:buNone/>
+            </a:pPr>
+            <a:r>
+              <a:rPr lang="en-US" dirty="0" smtClean="0"/>
+              <a:t>	* If not specified, MPI_COMM_WORLD is assigned to all which stands for an universal group.</a:t>
+            </a:r>
+          </a:p>
+        </p:txBody>
+      </p:sp>
+    </p:spTree>
+  </p:cSld>
+  <p:clrMapOvr>
+    <a:masterClrMapping/>
+  </p:clrMapOvr>
+</p:sld>
+</file>
+
+<file path=ppt/slides/slide7.xml><?xml version="1.0" encoding="utf-8"?>
+<p:sld xmlns:a="http://schemas.openxmlformats.org/drawingml/2006/main" xmlns:r="http://schemas.openxmlformats.org/officeDocument/2006/relationships" xmlns:p="http://schemas.openxmlformats.org/presentationml/2006/main">
+  <p:cSld>
+    <p:spTree>
+      <p:nvGrpSpPr>
+        <p:cNvPr id="1" name=""/>
+        <p:cNvGrpSpPr/>
+        <p:nvPr/>
+      </p:nvGrpSpPr>
+      <p:grpSpPr>
+        <a:xfrm>
+          <a:off x="0" y="0"/>
+          <a:ext cx="0" cy="0"/>
+          <a:chOff x="0" y="0"/>
+          <a:chExt cx="0" cy="0"/>
+        </a:xfrm>
+      </p:grpSpPr>
+      <p:sp>
+        <p:nvSpPr>
+          <p:cNvPr id="2" name="Title 1"/>
+          <p:cNvSpPr>
+            <a:spLocks noGrp="1"/>
+          </p:cNvSpPr>
+          <p:nvPr>
+            <p:ph type="title"/>
+          </p:nvPr>
+        </p:nvSpPr>
+        <p:spPr/>
+        <p:txBody>
+          <a:bodyPr/>
+          <a:lstStyle/>
+          <a:p>
+            <a:r>
+              <a:rPr lang="en-US" dirty="0" smtClean="0"/>
+              <a:t>A MPI-Enabled </a:t>
+            </a:r>
+            <a:r>
+              <a:rPr lang="en-US" dirty="0" err="1" smtClean="0"/>
+              <a:t>c++</a:t>
+            </a:r>
+            <a:r>
+              <a:rPr lang="en-US" dirty="0" smtClean="0"/>
+              <a:t> program</a:t>
+            </a:r>
+            <a:endParaRPr lang="en-US" dirty="0"/>
+          </a:p>
+        </p:txBody>
+      </p:sp>
+      <p:sp>
+        <p:nvSpPr>
+          <p:cNvPr id="3" name="Content Placeholder 2"/>
+          <p:cNvSpPr>
+            <a:spLocks noGrp="1"/>
+          </p:cNvSpPr>
+          <p:nvPr>
+            <p:ph idx="1"/>
+          </p:nvPr>
+        </p:nvSpPr>
+        <p:spPr>
+          <a:xfrm>
+            <a:off x="2589212" y="2133600"/>
+            <a:ext cx="8915400" cy="4184822"/>
+          </a:xfrm>
+        </p:spPr>
+        <p:txBody>
+          <a:bodyPr>
+            <a:normAutofit fontScale="92500" lnSpcReduction="10000"/>
+          </a:bodyPr>
+          <a:lstStyle/>
+          <a:p>
+            <a:r>
+              <a:rPr lang="en-US" dirty="0" err="1" smtClean="0"/>
+              <a:t>MPI_Init</a:t>
+            </a:r>
+            <a:endParaRPr lang="en-US" dirty="0" smtClean="0"/>
+          </a:p>
+          <a:p>
+            <a:r>
+              <a:rPr lang="en-US" dirty="0" err="1" smtClean="0"/>
+              <a:t>MPI_Comm_rank</a:t>
+            </a:r>
+            <a:endParaRPr lang="en-US" dirty="0" smtClean="0"/>
+          </a:p>
+          <a:p>
+            <a:r>
+              <a:rPr lang="en-US" dirty="0" err="1" smtClean="0"/>
+              <a:t>MPI_Comm_size</a:t>
+            </a:r>
+            <a:endParaRPr lang="en-US" dirty="0" smtClean="0"/>
+          </a:p>
+          <a:p>
+            <a:endParaRPr lang="en-US" dirty="0" smtClean="0"/>
+          </a:p>
+          <a:p>
+            <a:r>
+              <a:rPr lang="en-US" dirty="0" err="1" smtClean="0"/>
+              <a:t>MPI_Send</a:t>
+            </a:r>
+            <a:r>
+              <a:rPr lang="en-US" dirty="0" smtClean="0"/>
+              <a:t> *</a:t>
+            </a:r>
+          </a:p>
+          <a:p>
+            <a:r>
+              <a:rPr lang="en-US" dirty="0" err="1" smtClean="0"/>
+              <a:t>MPI_Receive</a:t>
+            </a:r>
+            <a:r>
+              <a:rPr lang="en-US" dirty="0" smtClean="0"/>
+              <a:t> *</a:t>
+            </a:r>
+          </a:p>
+          <a:p>
+            <a:endParaRPr lang="en-US" dirty="0" smtClean="0"/>
+          </a:p>
+          <a:p>
+            <a:r>
+              <a:rPr lang="en-US" dirty="0" err="1" smtClean="0"/>
+              <a:t>MPI_Finalize</a:t>
+            </a:r>
+            <a:endParaRPr lang="en-US" dirty="0" smtClean="0"/>
+          </a:p>
+          <a:p>
+            <a:endParaRPr lang="en-US" dirty="0" smtClean="0"/>
+          </a:p>
+          <a:p>
+            <a:pPr>
+              <a:buNone/>
+            </a:pPr>
+            <a:r>
+              <a:rPr lang="en-US" dirty="0" smtClean="0"/>
+              <a:t>Send/Receive are blocking methods.</a:t>
+            </a:r>
+          </a:p>
+          <a:p>
+            <a:pPr>
+              <a:buNone/>
+            </a:pPr>
+            <a:r>
+              <a:rPr lang="en-US" dirty="0" smtClean="0"/>
+              <a:t>Note that MPI supports also non-blocking methods (e.g. MPI_ISEND)</a:t>
+            </a:r>
+            <a:endParaRPr lang="en-US" dirty="0"/>
+          </a:p>
+        </p:txBody>
+      </p:sp>
+    </p:spTree>
+  </p:cSld>
+  <p:clrMapOvr>
+    <a:masterClrMapping/>
+  </p:clrMapOvr>
+</p:sld>
+</file>
+
+<file path=ppt/slides/slide8.xml><?xml version="1.0" encoding="utf-8"?>
+<p:sld xmlns:a="http://schemas.openxmlformats.org/drawingml/2006/main" xmlns:r="http://schemas.openxmlformats.org/officeDocument/2006/relationships" xmlns:p="http://schemas.openxmlformats.org/presentationml/2006/main">
+  <p:cSld>
+    <p:spTree>
+      <p:nvGrpSpPr>
+        <p:cNvPr id="1" name=""/>
+        <p:cNvGrpSpPr/>
+        <p:nvPr/>
+      </p:nvGrpSpPr>
+      <p:grpSpPr>
+        <a:xfrm>
+          <a:off x="0" y="0"/>
+          <a:ext cx="0" cy="0"/>
+          <a:chOff x="0" y="0"/>
+          <a:chExt cx="0" cy="0"/>
+        </a:xfrm>
+      </p:grpSpPr>
+      <p:sp>
+        <p:nvSpPr>
+          <p:cNvPr id="2" name="Title 1"/>
+          <p:cNvSpPr>
+            <a:spLocks noGrp="1"/>
+          </p:cNvSpPr>
+          <p:nvPr>
+            <p:ph type="title"/>
+          </p:nvPr>
+        </p:nvSpPr>
+        <p:spPr/>
+        <p:txBody>
+          <a:bodyPr/>
+          <a:lstStyle/>
+          <a:p>
+            <a:r>
+              <a:rPr lang="en-US" dirty="0" smtClean="0"/>
+              <a:t>MPI </a:t>
+            </a:r>
+            <a:r>
+              <a:rPr lang="en-US" dirty="0" err="1" smtClean="0"/>
+              <a:t>vs</a:t>
+            </a:r>
+            <a:r>
+              <a:rPr lang="en-US" dirty="0" smtClean="0"/>
+              <a:t> Threads</a:t>
+            </a:r>
+            <a:endParaRPr lang="ro-RO" dirty="0"/>
+          </a:p>
+        </p:txBody>
+      </p:sp>
+      <p:graphicFrame>
+        <p:nvGraphicFramePr>
+          <p:cNvPr id="4" name="Table 3"/>
+          <p:cNvGraphicFramePr>
+            <a:graphicFrameLocks noGrp="1"/>
+          </p:cNvGraphicFramePr>
+          <p:nvPr/>
+        </p:nvGraphicFramePr>
+        <p:xfrm>
+          <a:off x="1982573" y="2314829"/>
+          <a:ext cx="8127999" cy="3032760"/>
+        </p:xfrm>
+        <a:graphic>
+          <a:graphicData uri="http://schemas.openxmlformats.org/drawingml/2006/table">
+            <a:tbl>
+              <a:tblPr firstRow="1" bandRow="1">
+                <a:tableStyleId>{5C22544A-7EE6-4342-B048-85BDC9FD1C3A}</a:tableStyleId>
+              </a:tblPr>
+              <a:tblGrid>
+                <a:gridCol w="2709333"/>
+                <a:gridCol w="2709333"/>
+                <a:gridCol w="2709333"/>
+              </a:tblGrid>
+              <a:tr h="291436">
+                <a:tc>
+                  <a:txBody>
+                    <a:bodyPr/>
+                    <a:lstStyle/>
+                    <a:p>
+                      <a:endParaRPr lang="en-US" dirty="0"/>
+                    </a:p>
+                  </a:txBody>
+                  <a:tcPr/>
+                </a:tc>
+                <a:tc>
+                  <a:txBody>
+                    <a:bodyPr/>
+                    <a:lstStyle/>
+                    <a:p>
+                      <a:r>
+                        <a:rPr lang="en-US" dirty="0" smtClean="0"/>
+                        <a:t>MPI</a:t>
+                      </a:r>
+                      <a:endParaRPr lang="en-US" dirty="0"/>
+                    </a:p>
+                  </a:txBody>
+                  <a:tcPr/>
+                </a:tc>
+                <a:tc>
+                  <a:txBody>
+                    <a:bodyPr/>
+                    <a:lstStyle/>
+                    <a:p>
+                      <a:r>
+                        <a:rPr lang="en-US" dirty="0" smtClean="0"/>
+                        <a:t>Threads</a:t>
+                      </a:r>
+                      <a:endParaRPr lang="en-US" dirty="0"/>
+                    </a:p>
+                  </a:txBody>
+                  <a:tcPr/>
+                </a:tc>
+              </a:tr>
+              <a:tr h="370840">
+                <a:tc>
+                  <a:txBody>
+                    <a:bodyPr/>
+                    <a:lstStyle/>
+                    <a:p>
+                      <a:r>
+                        <a:rPr lang="en-US" dirty="0" smtClean="0"/>
+                        <a:t>Data</a:t>
+                      </a:r>
+                      <a:r>
+                        <a:rPr lang="en-US" baseline="0" dirty="0" smtClean="0"/>
+                        <a:t> size</a:t>
+                      </a:r>
+                      <a:endParaRPr lang="en-US" dirty="0"/>
+                    </a:p>
+                  </a:txBody>
+                  <a:tcPr/>
+                </a:tc>
+                <a:tc>
+                  <a:txBody>
+                    <a:bodyPr/>
+                    <a:lstStyle/>
+                    <a:p>
+                      <a:r>
+                        <a:rPr lang="en-US" dirty="0" smtClean="0"/>
+                        <a:t>Usually</a:t>
+                      </a:r>
+                      <a:r>
+                        <a:rPr lang="en-US" baseline="0" dirty="0" smtClean="0"/>
+                        <a:t> small data</a:t>
+                      </a:r>
+                      <a:endParaRPr lang="en-US" dirty="0"/>
+                    </a:p>
+                  </a:txBody>
+                  <a:tcPr/>
+                </a:tc>
+                <a:tc>
+                  <a:txBody>
+                    <a:bodyPr/>
+                    <a:lstStyle/>
+                    <a:p>
+                      <a:r>
+                        <a:rPr lang="en-US" dirty="0" smtClean="0"/>
+                        <a:t>All data sizes</a:t>
+                      </a:r>
+                      <a:endParaRPr lang="en-US" dirty="0"/>
+                    </a:p>
+                  </a:txBody>
+                  <a:tcPr/>
+                </a:tc>
+              </a:tr>
+              <a:tr h="370840">
+                <a:tc>
+                  <a:txBody>
+                    <a:bodyPr/>
+                    <a:lstStyle/>
+                    <a:p>
+                      <a:r>
+                        <a:rPr lang="en-US" dirty="0" smtClean="0"/>
+                        <a:t>Shared memory pool</a:t>
+                      </a:r>
+                      <a:endParaRPr lang="en-US" dirty="0"/>
+                    </a:p>
+                  </a:txBody>
+                  <a:tcPr/>
+                </a:tc>
+                <a:tc>
+                  <a:txBody>
+                    <a:bodyPr/>
+                    <a:lstStyle/>
+                    <a:p>
+                      <a:r>
+                        <a:rPr lang="en-US" dirty="0" smtClean="0"/>
+                        <a:t>No</a:t>
+                      </a:r>
+                      <a:endParaRPr lang="en-US" dirty="0"/>
+                    </a:p>
+                  </a:txBody>
+                  <a:tcPr/>
+                </a:tc>
+                <a:tc>
+                  <a:txBody>
+                    <a:bodyPr/>
+                    <a:lstStyle/>
+                    <a:p>
+                      <a:r>
+                        <a:rPr lang="en-US" dirty="0" smtClean="0"/>
+                        <a:t>Yes</a:t>
+                      </a:r>
+                      <a:endParaRPr lang="en-US" dirty="0"/>
+                    </a:p>
+                  </a:txBody>
+                  <a:tcPr/>
+                </a:tc>
+              </a:tr>
+              <a:tr h="370840">
+                <a:tc>
+                  <a:txBody>
+                    <a:bodyPr/>
+                    <a:lstStyle/>
+                    <a:p>
+                      <a:r>
+                        <a:rPr lang="en-US" dirty="0" smtClean="0"/>
+                        <a:t>Can work over the network with the data</a:t>
+                      </a:r>
+                      <a:endParaRPr lang="en-US" dirty="0"/>
+                    </a:p>
+                  </a:txBody>
+                  <a:tcPr/>
+                </a:tc>
+                <a:tc>
+                  <a:txBody>
+                    <a:bodyPr/>
+                    <a:lstStyle/>
+                    <a:p>
+                      <a:r>
+                        <a:rPr lang="en-US" dirty="0" smtClean="0"/>
+                        <a:t>Yes</a:t>
+                      </a:r>
+                      <a:endParaRPr lang="en-US" dirty="0"/>
+                    </a:p>
+                  </a:txBody>
+                  <a:tcPr/>
+                </a:tc>
+                <a:tc>
+                  <a:txBody>
+                    <a:bodyPr/>
+                    <a:lstStyle/>
+                    <a:p>
+                      <a:r>
+                        <a:rPr lang="en-US" dirty="0" smtClean="0"/>
+                        <a:t>No</a:t>
+                      </a:r>
+                      <a:endParaRPr lang="en-US" dirty="0"/>
+                    </a:p>
+                  </a:txBody>
+                  <a:tcPr/>
+                </a:tc>
+              </a:tr>
+              <a:tr h="370840">
+                <a:tc>
+                  <a:txBody>
+                    <a:bodyPr/>
+                    <a:lstStyle/>
+                    <a:p>
+                      <a:r>
+                        <a:rPr lang="en-US" dirty="0" smtClean="0"/>
+                        <a:t>Can run into issues caused by concurrent data access</a:t>
+                      </a:r>
+                      <a:endParaRPr lang="en-US" dirty="0"/>
+                    </a:p>
+                  </a:txBody>
+                  <a:tcPr/>
+                </a:tc>
+                <a:tc>
+                  <a:txBody>
+                    <a:bodyPr/>
+                    <a:lstStyle/>
+                    <a:p>
+                      <a:r>
+                        <a:rPr lang="en-US" dirty="0" smtClean="0"/>
+                        <a:t>No</a:t>
+                      </a:r>
+                      <a:endParaRPr lang="en-US" dirty="0"/>
+                    </a:p>
+                  </a:txBody>
+                  <a:tcPr/>
+                </a:tc>
+                <a:tc>
+                  <a:txBody>
+                    <a:bodyPr/>
+                    <a:lstStyle/>
+                    <a:p>
+                      <a:r>
+                        <a:rPr lang="en-US" dirty="0" smtClean="0"/>
+                        <a:t>Yes</a:t>
+                      </a:r>
+                      <a:endParaRPr lang="en-US" dirty="0"/>
+                    </a:p>
+                  </a:txBody>
+                  <a:tcPr/>
+                </a:tc>
+              </a:tr>
+              <a:tr h="370840">
+                <a:tc>
+                  <a:txBody>
+                    <a:bodyPr/>
+                    <a:lstStyle/>
+                    <a:p>
+                      <a:r>
+                        <a:rPr lang="en-US" dirty="0" smtClean="0"/>
+                        <a:t>Can have deadlocks</a:t>
+                      </a:r>
+                      <a:endParaRPr lang="en-US" dirty="0"/>
+                    </a:p>
+                  </a:txBody>
+                  <a:tcPr/>
+                </a:tc>
+                <a:tc>
+                  <a:txBody>
+                    <a:bodyPr/>
+                    <a:lstStyle/>
+                    <a:p>
+                      <a:r>
+                        <a:rPr lang="en-US" dirty="0" smtClean="0"/>
+                        <a:t>Yes</a:t>
+                      </a:r>
+                      <a:endParaRPr lang="en-US" dirty="0"/>
+                    </a:p>
+                  </a:txBody>
+                  <a:tcPr/>
+                </a:tc>
+                <a:tc>
+                  <a:txBody>
+                    <a:bodyPr/>
+                    <a:lstStyle/>
+                    <a:p>
+                      <a:r>
+                        <a:rPr lang="en-US" dirty="0" smtClean="0"/>
+                        <a:t>Yes</a:t>
+                      </a:r>
+                      <a:endParaRPr lang="en-US" dirty="0"/>
+                    </a:p>
+                  </a:txBody>
+                  <a:tcPr/>
+                </a:tc>
+              </a:tr>
+            </a:tbl>
+          </a:graphicData>
+        </a:graphic>
+      </p:graphicFrame>
     </p:spTree>
     <p:extLst>
       <p:ext uri="{BB962C8B-B14F-4D97-AF65-F5344CB8AC3E}">
-        <p14:creationId xmlns:p14="http://schemas.microsoft.com/office/powerpoint/2010/main" val="2381592644"/>
+        <p14:creationId xmlns="" xmlns:p14="http://schemas.microsoft.com/office/powerpoint/2010/main" val="2381592644"/>
       </p:ext>
     </p:extLst>
+  </p:cSld>
+  <p:clrMapOvr>
+    <a:masterClrMapping/>
+  </p:clrMapOvr>
+  <p:timing>
+    <p:tnLst>
+      <p:par>
+        <p:cTn id="1" dur="indefinite" restart="never" nodeType="tmRoot"/>
+      </p:par>
+    </p:tnLst>
+  </p:timing>
+</p:sld>
+</file>
+
+<file path=ppt/slides/slide9.xml><?xml version="1.0" encoding="utf-8"?>
+<p:sld xmlns:a="http://schemas.openxmlformats.org/drawingml/2006/main" xmlns:r="http://schemas.openxmlformats.org/officeDocument/2006/relationships" xmlns:p="http://schemas.openxmlformats.org/presentationml/2006/main">
+  <p:cSld>
+    <p:spTree>
+      <p:nvGrpSpPr>
+        <p:cNvPr id="1" name=""/>
+        <p:cNvGrpSpPr/>
+        <p:nvPr/>
+      </p:nvGrpSpPr>
+      <p:grpSpPr>
+        <a:xfrm>
+          <a:off x="0" y="0"/>
+          <a:ext cx="0" cy="0"/>
+          <a:chOff x="0" y="0"/>
+          <a:chExt cx="0" cy="0"/>
+        </a:xfrm>
+      </p:grpSpPr>
+      <p:sp>
+        <p:nvSpPr>
+          <p:cNvPr id="2" name="Title 1"/>
+          <p:cNvSpPr>
+            <a:spLocks noGrp="1"/>
+          </p:cNvSpPr>
+          <p:nvPr>
+            <p:ph type="title"/>
+          </p:nvPr>
+        </p:nvSpPr>
+        <p:spPr/>
+        <p:txBody>
+          <a:bodyPr/>
+          <a:lstStyle/>
+          <a:p>
+            <a:r>
+              <a:rPr lang="en-US" dirty="0" smtClean="0"/>
+              <a:t>Code Metrics</a:t>
+            </a:r>
+            <a:endParaRPr lang="en-US" dirty="0"/>
+          </a:p>
+        </p:txBody>
+      </p:sp>
+      <p:sp>
+        <p:nvSpPr>
+          <p:cNvPr id="3" name="Content Placeholder 2"/>
+          <p:cNvSpPr>
+            <a:spLocks noGrp="1"/>
+          </p:cNvSpPr>
+          <p:nvPr>
+            <p:ph idx="1"/>
+          </p:nvPr>
+        </p:nvSpPr>
+        <p:spPr/>
+        <p:txBody>
+          <a:bodyPr/>
+          <a:lstStyle/>
+          <a:p>
+            <a:r>
+              <a:rPr lang="en-US" dirty="0" smtClean="0"/>
+              <a:t>Maintainability Index 67</a:t>
+            </a:r>
+          </a:p>
+          <a:p>
+            <a:r>
+              <a:rPr lang="en-US" dirty="0" err="1" smtClean="0"/>
+              <a:t>Cyclomatic</a:t>
+            </a:r>
+            <a:r>
+              <a:rPr lang="en-US" dirty="0" smtClean="0"/>
+              <a:t> Complexity 13</a:t>
+            </a:r>
+          </a:p>
+          <a:p>
+            <a:r>
+              <a:rPr lang="en-US" dirty="0" smtClean="0"/>
+              <a:t>Depth of Inheritance 1</a:t>
+            </a:r>
+          </a:p>
+          <a:p>
+            <a:r>
+              <a:rPr lang="en-US" dirty="0" smtClean="0"/>
+              <a:t>Class coupling 4</a:t>
+            </a:r>
+          </a:p>
+          <a:p>
+            <a:r>
+              <a:rPr lang="en-US" dirty="0" smtClean="0"/>
+              <a:t>Lines of Code 40</a:t>
+            </a:r>
+          </a:p>
+          <a:p>
+            <a:endParaRPr lang="en-US" dirty="0" smtClean="0"/>
+          </a:p>
+          <a:p>
+            <a:endParaRPr lang="en-US" dirty="0" smtClean="0"/>
+          </a:p>
+          <a:p>
+            <a:pPr>
+              <a:buNone/>
+            </a:pPr>
+            <a:r>
+              <a:rPr lang="en-US" dirty="0" smtClean="0"/>
+              <a:t>* Generated with Microsoft Visual Studio</a:t>
+            </a:r>
+            <a:endParaRPr lang="en-US" dirty="0"/>
+          </a:p>
+        </p:txBody>
+      </p:sp>
+    </p:spTree>
   </p:cSld>
   <p:clrMapOvr>
     <a:masterClrMapping/>
@@ -8242,7 +9428,7 @@
     </a:clrScheme>
     <a:fontScheme name="Wisp">
       <a:majorFont>
-        <a:latin typeface="Century Gothic" panose="020B0502020202020204"/>
+        <a:latin typeface="Century Gothic"/>
         <a:ea typeface=""/>
         <a:cs typeface=""/>
         <a:font script="Jpan" typeface="メイリオ"/>
@@ -8277,7 +9463,7 @@
         <a:font script="Geor" typeface="Sylfaen"/>
       </a:majorFont>
       <a:minorFont>
-        <a:latin typeface="Century Gothic" panose="020B0502020202020204"/>
+        <a:latin typeface="Century Gothic"/>
         <a:ea typeface=""/>
         <a:cs typeface=""/>
         <a:font script="Jpan" typeface="メイリオ"/>
@@ -8436,7 +9622,7 @@
   <a:extraClrSchemeLst/>
   <a:extLst>
     <a:ext uri="{05A4C25C-085E-4340-85A3-A5531E510DB2}">
-      <thm15:themeFamily xmlns:thm15="http://schemas.microsoft.com/office/thememl/2012/main" name="Wisp" id="{7CB32D59-10C0-40DD-B7BD-2E94284A981C}" vid="{24B1A44C-C006-48B2-A4D7-E5549B3D8CD4}"/>
+      <thm15:themeFamily xmlns="" xmlns:thm15="http://schemas.microsoft.com/office/thememl/2012/main" name="Wisp" id="{7CB32D59-10C0-40DD-B7BD-2E94284A981C}" vid="{24B1A44C-C006-48B2-A4D7-E5549B3D8CD4}"/>
     </a:ext>
   </a:extLst>
 </a:theme>
